--- a/docs/Apresentação_desempenho_plataforma.pptx
+++ b/docs/Apresentação_desempenho_plataforma.pptx
@@ -6,10 +6,10 @@
     <p:sldMasterId id="2147483721" r:id="rId2"/>
   </p:sldMasterIdLst>
   <p:notesMasterIdLst>
-    <p:notesMasterId r:id="rId20"/>
+    <p:notesMasterId r:id="rId23"/>
   </p:notesMasterIdLst>
   <p:handoutMasterIdLst>
-    <p:handoutMasterId r:id="rId21"/>
+    <p:handoutMasterId r:id="rId24"/>
   </p:handoutMasterIdLst>
   <p:sldIdLst>
     <p:sldId id="4672" r:id="rId3"/>
@@ -29,6 +29,9 @@
     <p:sldId id="4821" r:id="rId17"/>
     <p:sldId id="4823" r:id="rId18"/>
     <p:sldId id="4824" r:id="rId19"/>
+    <p:sldId id="4829" r:id="rId20"/>
+    <p:sldId id="4830" r:id="rId21"/>
+    <p:sldId id="4831" r:id="rId22"/>
   </p:sldIdLst>
   <p:sldSz cx="12192000" cy="6858000"/>
   <p:notesSz cx="6858000" cy="9144000"/>
@@ -11389,6 +11392,960 @@
 </p:sld>
 </file>
 
+<file path=ppt/slides/slide18.xml><?xml version="1.0" encoding="utf-8"?>
+<p:sld xmlns:a="http://schemas.openxmlformats.org/drawingml/2006/main" xmlns:r="http://schemas.openxmlformats.org/officeDocument/2006/relationships" xmlns:p="http://schemas.openxmlformats.org/presentationml/2006/main">
+  <p:cSld>
+    <p:spTree>
+      <p:nvGrpSpPr>
+        <p:cNvPr id="1" name=""/>
+        <p:cNvGrpSpPr/>
+        <p:nvPr/>
+      </p:nvGrpSpPr>
+      <p:grpSpPr>
+        <a:xfrm>
+          <a:off x="0" y="0"/>
+          <a:ext cx="0" cy="0"/>
+          <a:chOff x="0" y="0"/>
+          <a:chExt cx="0" cy="0"/>
+        </a:xfrm>
+      </p:grpSpPr>
+      <p:sp>
+        <p:nvSpPr>
+          <p:cNvPr id="69" name="Retângulo 68">
+            <a:extLst>
+              <a:ext uri="{FF2B5EF4-FFF2-40B4-BE49-F238E27FC236}">
+                <a16:creationId xmlns:a16="http://schemas.microsoft.com/office/drawing/2014/main" id="{EBBBECE2-B491-484D-BF2B-939AC5F2EAC0}"/>
+              </a:ext>
+            </a:extLst>
+          </p:cNvPr>
+          <p:cNvSpPr/>
+          <p:nvPr/>
+        </p:nvSpPr>
+        <p:spPr>
+          <a:xfrm>
+            <a:off x="-7059" y="-8813"/>
+            <a:ext cx="12199059" cy="1122982"/>
+          </a:xfrm>
+          <a:prstGeom prst="rect">
+            <a:avLst/>
+          </a:prstGeom>
+          <a:solidFill>
+            <a:srgbClr val="1C273A"/>
+          </a:solidFill>
+          <a:ln w="12700" cap="flat" cmpd="sng" algn="ctr">
+            <a:noFill/>
+            <a:prstDash val="solid"/>
+            <a:miter lim="800000"/>
+          </a:ln>
+          <a:effectLst/>
+        </p:spPr>
+        <p:txBody>
+          <a:bodyPr rtlCol="0" anchor="ctr"/>
+          <a:lstStyle/>
+          <a:p>
+            <a:pPr marL="0" marR="0" lvl="0" indent="0" algn="ctr" defTabSz="914340" eaLnBrk="1" fontAlgn="auto" latinLnBrk="0" hangingPunct="1">
+              <a:lnSpc>
+                <a:spcPct val="100000"/>
+              </a:lnSpc>
+              <a:spcBef>
+                <a:spcPts val="0"/>
+              </a:spcBef>
+              <a:spcAft>
+                <a:spcPts val="0"/>
+              </a:spcAft>
+              <a:buClrTx/>
+              <a:buSzTx/>
+              <a:buFontTx/>
+              <a:buNone/>
+              <a:tabLst/>
+              <a:defRPr/>
+            </a:pPr>
+            <a:endParaRPr kumimoji="0" lang="pt-BR" sz="1800" b="0" i="0" u="none" strike="noStrike" kern="0" cap="none" spc="0" normalizeH="0" baseline="0" noProof="0" dirty="0">
+              <a:ln>
+                <a:noFill/>
+              </a:ln>
+              <a:solidFill>
+                <a:srgbClr val="FFFFFF"/>
+              </a:solidFill>
+              <a:effectLst/>
+              <a:uLnTx/>
+              <a:uFillTx/>
+              <a:latin typeface="Segoe UI" panose="020B0502040204020203" pitchFamily="34" charset="0"/>
+              <a:ea typeface=""/>
+              <a:cs typeface="Segoe UI" panose="020B0502040204020203" pitchFamily="34" charset="0"/>
+            </a:endParaRPr>
+          </a:p>
+        </p:txBody>
+      </p:sp>
+      <p:sp>
+        <p:nvSpPr>
+          <p:cNvPr id="12" name="Título 11">
+            <a:extLst>
+              <a:ext uri="{FF2B5EF4-FFF2-40B4-BE49-F238E27FC236}">
+                <a16:creationId xmlns:a16="http://schemas.microsoft.com/office/drawing/2014/main" id="{C48E714C-BDEE-CE4F-B207-ED298CB4A2D2}"/>
+              </a:ext>
+            </a:extLst>
+          </p:cNvPr>
+          <p:cNvSpPr>
+            <a:spLocks noGrp="1"/>
+          </p:cNvSpPr>
+          <p:nvPr>
+            <p:ph type="ctrTitle"/>
+          </p:nvPr>
+        </p:nvSpPr>
+        <p:spPr>
+          <a:xfrm>
+            <a:off x="285754" y="170762"/>
+            <a:ext cx="11273638" cy="365125"/>
+          </a:xfrm>
+        </p:spPr>
+        <p:txBody>
+          <a:bodyPr lIns="0">
+            <a:normAutofit fontScale="90000"/>
+          </a:bodyPr>
+          <a:lstStyle/>
+          <a:p>
+            <a:r>
+              <a:rPr lang="pt-BR" dirty="0">
+                <a:solidFill>
+                  <a:schemeClr val="bg1"/>
+                </a:solidFill>
+              </a:rPr>
+              <a:t>A Plataforma                              em Grandes Números</a:t>
+            </a:r>
+          </a:p>
+        </p:txBody>
+      </p:sp>
+      <p:pic>
+        <p:nvPicPr>
+          <p:cNvPr id="61" name="Imagem 60">
+            <a:extLst>
+              <a:ext uri="{FF2B5EF4-FFF2-40B4-BE49-F238E27FC236}">
+                <a16:creationId xmlns:a16="http://schemas.microsoft.com/office/drawing/2014/main" id="{4F321FA8-8362-E84C-A8B1-9CB6450C867C}"/>
+              </a:ext>
+            </a:extLst>
+          </p:cNvPr>
+          <p:cNvPicPr>
+            <a:picLocks noChangeAspect="1"/>
+          </p:cNvPicPr>
+          <p:nvPr/>
+        </p:nvPicPr>
+        <p:blipFill rotWithShape="1">
+          <a:blip r:embed="rId2">
+            <a:extLst>
+              <a:ext uri="{28A0092B-C50C-407E-A947-70E740481C1C}">
+                <a14:useLocalDpi xmlns:a14="http://schemas.microsoft.com/office/drawing/2010/main"/>
+              </a:ext>
+            </a:extLst>
+          </a:blip>
+          <a:srcRect l="38012"/>
+          <a:stretch/>
+        </p:blipFill>
+        <p:spPr>
+          <a:xfrm>
+            <a:off x="1866579" y="214903"/>
+            <a:ext cx="1897250" cy="304800"/>
+          </a:xfrm>
+          <a:prstGeom prst="rect">
+            <a:avLst/>
+          </a:prstGeom>
+        </p:spPr>
+      </p:pic>
+      <p:sp>
+        <p:nvSpPr>
+          <p:cNvPr id="64" name="Espaço Reservado para Texto 3">
+            <a:extLst>
+              <a:ext uri="{FF2B5EF4-FFF2-40B4-BE49-F238E27FC236}">
+                <a16:creationId xmlns:a16="http://schemas.microsoft.com/office/drawing/2014/main" id="{E450E41B-21FF-EA46-9F51-3A43AA93CA05}"/>
+              </a:ext>
+            </a:extLst>
+          </p:cNvPr>
+          <p:cNvSpPr txBox="1">
+            <a:spLocks/>
+          </p:cNvSpPr>
+          <p:nvPr/>
+        </p:nvSpPr>
+        <p:spPr>
+          <a:xfrm>
+            <a:off x="11130544" y="73478"/>
+            <a:ext cx="857696" cy="263918"/>
+          </a:xfrm>
+          <a:prstGeom prst="rect">
+            <a:avLst/>
+          </a:prstGeom>
+        </p:spPr>
+        <p:txBody>
+          <a:bodyPr vert="horz" wrap="square" lIns="0" tIns="45720" rIns="0" bIns="45720" rtlCol="0">
+            <a:spAutoFit/>
+          </a:bodyPr>
+          <a:lstStyle>
+            <a:lvl1pPr marL="0" indent="0" algn="l" defTabSz="914400" rtl="0" eaLnBrk="1" latinLnBrk="0" hangingPunct="1">
+              <a:lnSpc>
+                <a:spcPct val="110000"/>
+              </a:lnSpc>
+              <a:spcBef>
+                <a:spcPts val="1000"/>
+              </a:spcBef>
+              <a:buFont typeface="Arial" panose="020B0604020202020204" pitchFamily="34" charset="0"/>
+              <a:buNone/>
+              <a:defRPr sz="1400" kern="1300" spc="10" baseline="0">
+                <a:solidFill>
+                  <a:schemeClr val="tx1"/>
+                </a:solidFill>
+                <a:latin typeface="Segoe UI" panose="020B0502040204020203" pitchFamily="34" charset="0"/>
+                <a:ea typeface="Segoe UI Symbol" panose="020B0502040204020203" pitchFamily="34" charset="0"/>
+                <a:cs typeface="Segoe UI" panose="020B0502040204020203" pitchFamily="34" charset="0"/>
+              </a:defRPr>
+            </a:lvl1pPr>
+            <a:lvl2pPr marL="685800" indent="-228600" algn="l" defTabSz="914400" rtl="0" eaLnBrk="1" latinLnBrk="0" hangingPunct="1">
+              <a:lnSpc>
+                <a:spcPct val="90000"/>
+              </a:lnSpc>
+              <a:spcBef>
+                <a:spcPts val="500"/>
+              </a:spcBef>
+              <a:buFont typeface="Arial" panose="020B0604020202020204" pitchFamily="34" charset="0"/>
+              <a:buChar char="•"/>
+              <a:defRPr sz="2400" kern="1200">
+                <a:solidFill>
+                  <a:schemeClr val="tx1"/>
+                </a:solidFill>
+                <a:latin typeface="Segoe UI" panose="020B0502040204020203" pitchFamily="34" charset="0"/>
+                <a:ea typeface="+mn-ea"/>
+                <a:cs typeface="Segoe UI" panose="020B0502040204020203" pitchFamily="34" charset="0"/>
+              </a:defRPr>
+            </a:lvl2pPr>
+            <a:lvl3pPr marL="914400" indent="0" algn="l" defTabSz="914400" rtl="0" eaLnBrk="1" latinLnBrk="0" hangingPunct="1">
+              <a:lnSpc>
+                <a:spcPct val="90000"/>
+              </a:lnSpc>
+              <a:spcBef>
+                <a:spcPts val="500"/>
+              </a:spcBef>
+              <a:buFont typeface="Arial" panose="020B0604020202020204" pitchFamily="34" charset="0"/>
+              <a:buNone/>
+              <a:defRPr sz="2000" kern="1200">
+                <a:solidFill>
+                  <a:schemeClr val="tx1"/>
+                </a:solidFill>
+                <a:latin typeface="Segoe UI" panose="020B0502040204020203" pitchFamily="34" charset="0"/>
+                <a:ea typeface="+mn-ea"/>
+                <a:cs typeface="Segoe UI" panose="020B0502040204020203" pitchFamily="34" charset="0"/>
+              </a:defRPr>
+            </a:lvl3pPr>
+            <a:lvl4pPr marL="1371600" indent="0" algn="l" defTabSz="914400" rtl="0" eaLnBrk="1" latinLnBrk="0" hangingPunct="1">
+              <a:lnSpc>
+                <a:spcPct val="90000"/>
+              </a:lnSpc>
+              <a:spcBef>
+                <a:spcPts val="500"/>
+              </a:spcBef>
+              <a:buFont typeface="Arial" panose="020B0604020202020204" pitchFamily="34" charset="0"/>
+              <a:buNone/>
+              <a:defRPr sz="1800" kern="1200">
+                <a:solidFill>
+                  <a:schemeClr val="tx1"/>
+                </a:solidFill>
+                <a:latin typeface="Segoe UI" panose="020B0502040204020203" pitchFamily="34" charset="0"/>
+                <a:ea typeface="+mn-ea"/>
+                <a:cs typeface="Segoe UI" panose="020B0502040204020203" pitchFamily="34" charset="0"/>
+              </a:defRPr>
+            </a:lvl4pPr>
+            <a:lvl5pPr marL="1828800" indent="0" algn="l" defTabSz="914400" rtl="0" eaLnBrk="1" latinLnBrk="0" hangingPunct="1">
+              <a:lnSpc>
+                <a:spcPct val="90000"/>
+              </a:lnSpc>
+              <a:spcBef>
+                <a:spcPts val="500"/>
+              </a:spcBef>
+              <a:buFont typeface="Arial" panose="020B0604020202020204" pitchFamily="34" charset="0"/>
+              <a:buNone/>
+              <a:defRPr sz="1800" kern="1200">
+                <a:solidFill>
+                  <a:schemeClr val="tx1"/>
+                </a:solidFill>
+                <a:latin typeface="Segoe UI" panose="020B0502040204020203" pitchFamily="34" charset="0"/>
+                <a:ea typeface="+mn-ea"/>
+                <a:cs typeface="Segoe UI" panose="020B0502040204020203" pitchFamily="34" charset="0"/>
+              </a:defRPr>
+            </a:lvl5pPr>
+            <a:lvl6pPr marL="2514600" indent="-228600" algn="l" defTabSz="914400" rtl="0" eaLnBrk="1" latinLnBrk="0" hangingPunct="1">
+              <a:lnSpc>
+                <a:spcPct val="90000"/>
+              </a:lnSpc>
+              <a:spcBef>
+                <a:spcPts val="500"/>
+              </a:spcBef>
+              <a:buFont typeface="Arial" panose="020B0604020202020204" pitchFamily="34" charset="0"/>
+              <a:buChar char="•"/>
+              <a:defRPr sz="1800" kern="1200">
+                <a:solidFill>
+                  <a:schemeClr val="tx1"/>
+                </a:solidFill>
+                <a:latin typeface="+mn-lt"/>
+                <a:ea typeface="+mn-ea"/>
+                <a:cs typeface="+mn-cs"/>
+              </a:defRPr>
+            </a:lvl6pPr>
+            <a:lvl7pPr marL="2971800" indent="-228600" algn="l" defTabSz="914400" rtl="0" eaLnBrk="1" latinLnBrk="0" hangingPunct="1">
+              <a:lnSpc>
+                <a:spcPct val="90000"/>
+              </a:lnSpc>
+              <a:spcBef>
+                <a:spcPts val="500"/>
+              </a:spcBef>
+              <a:buFont typeface="Arial" panose="020B0604020202020204" pitchFamily="34" charset="0"/>
+              <a:buChar char="•"/>
+              <a:defRPr sz="1800" kern="1200">
+                <a:solidFill>
+                  <a:schemeClr val="tx1"/>
+                </a:solidFill>
+                <a:latin typeface="+mn-lt"/>
+                <a:ea typeface="+mn-ea"/>
+                <a:cs typeface="+mn-cs"/>
+              </a:defRPr>
+            </a:lvl7pPr>
+            <a:lvl8pPr marL="3429000" indent="-228600" algn="l" defTabSz="914400" rtl="0" eaLnBrk="1" latinLnBrk="0" hangingPunct="1">
+              <a:lnSpc>
+                <a:spcPct val="90000"/>
+              </a:lnSpc>
+              <a:spcBef>
+                <a:spcPts val="500"/>
+              </a:spcBef>
+              <a:buFont typeface="Arial" panose="020B0604020202020204" pitchFamily="34" charset="0"/>
+              <a:buChar char="•"/>
+              <a:defRPr sz="1800" kern="1200">
+                <a:solidFill>
+                  <a:schemeClr val="tx1"/>
+                </a:solidFill>
+                <a:latin typeface="+mn-lt"/>
+                <a:ea typeface="+mn-ea"/>
+                <a:cs typeface="+mn-cs"/>
+              </a:defRPr>
+            </a:lvl8pPr>
+            <a:lvl9pPr marL="3886200" indent="-228600" algn="l" defTabSz="914400" rtl="0" eaLnBrk="1" latinLnBrk="0" hangingPunct="1">
+              <a:lnSpc>
+                <a:spcPct val="90000"/>
+              </a:lnSpc>
+              <a:spcBef>
+                <a:spcPts val="500"/>
+              </a:spcBef>
+              <a:buFont typeface="Arial" panose="020B0604020202020204" pitchFamily="34" charset="0"/>
+              <a:buChar char="•"/>
+              <a:defRPr sz="1800" kern="1200">
+                <a:solidFill>
+                  <a:schemeClr val="tx1"/>
+                </a:solidFill>
+                <a:latin typeface="+mn-lt"/>
+                <a:ea typeface="+mn-ea"/>
+                <a:cs typeface="+mn-cs"/>
+              </a:defRPr>
+            </a:lvl9pPr>
+          </a:lstStyle>
+          <a:p>
+            <a:pPr algn="r">
+              <a:spcBef>
+                <a:spcPts val="800"/>
+              </a:spcBef>
+            </a:pPr>
+            <a:r>
+              <a:rPr lang="pt-BR" sz="1100" spc="40" dirty="0">
+                <a:solidFill>
+                  <a:schemeClr val="tx2">
+                    <a:lumMod val="60000"/>
+                    <a:lumOff val="40000"/>
+                  </a:schemeClr>
+                </a:solidFill>
+              </a:rPr>
+              <a:t>#interna</a:t>
+            </a:r>
+          </a:p>
+        </p:txBody>
+      </p:sp>
+      <p:pic>
+        <p:nvPicPr>
+          <p:cNvPr id="3074" name="Picture 2">
+            <a:extLst>
+              <a:ext uri="{FF2B5EF4-FFF2-40B4-BE49-F238E27FC236}">
+                <a16:creationId xmlns:a16="http://schemas.microsoft.com/office/drawing/2014/main" id="{AAA2B147-0049-674E-BF9B-EEBF0D7F7E2E}"/>
+              </a:ext>
+            </a:extLst>
+          </p:cNvPr>
+          <p:cNvPicPr>
+            <a:picLocks noChangeAspect="1" noChangeArrowheads="1"/>
+          </p:cNvPicPr>
+          <p:nvPr/>
+        </p:nvPicPr>
+        <p:blipFill>
+          <a:blip r:embed="rId3">
+            <a:extLst>
+              <a:ext uri="{28A0092B-C50C-407E-A947-70E740481C1C}">
+                <a14:useLocalDpi xmlns:a14="http://schemas.microsoft.com/office/drawing/2010/main" val="0"/>
+              </a:ext>
+            </a:extLst>
+          </a:blip>
+          <a:srcRect/>
+          <a:stretch>
+            <a:fillRect/>
+          </a:stretch>
+        </p:blipFill>
+        <p:spPr bwMode="auto">
+          <a:xfrm>
+            <a:off x="203760" y="2233401"/>
+            <a:ext cx="4392346" cy="3665523"/>
+          </a:xfrm>
+          <a:prstGeom prst="rect">
+            <a:avLst/>
+          </a:prstGeom>
+          <a:noFill/>
+          <a:extLst>
+            <a:ext uri="{909E8E84-426E-40DD-AFC4-6F175D3DCCD1}">
+              <a14:hiddenFill xmlns:a14="http://schemas.microsoft.com/office/drawing/2010/main">
+                <a:solidFill>
+                  <a:srgbClr val="FFFFFF"/>
+                </a:solidFill>
+              </a14:hiddenFill>
+            </a:ext>
+          </a:extLst>
+        </p:spPr>
+      </p:pic>
+      <p:pic>
+        <p:nvPicPr>
+          <p:cNvPr id="1026" name="Picture 2">
+            <a:extLst>
+              <a:ext uri="{FF2B5EF4-FFF2-40B4-BE49-F238E27FC236}">
+                <a16:creationId xmlns:a16="http://schemas.microsoft.com/office/drawing/2014/main" id="{1CB22112-7B6B-7C4B-B652-810CC60B4E31}"/>
+              </a:ext>
+            </a:extLst>
+          </p:cNvPr>
+          <p:cNvPicPr>
+            <a:picLocks noChangeAspect="1" noChangeArrowheads="1"/>
+          </p:cNvPicPr>
+          <p:nvPr/>
+        </p:nvPicPr>
+        <p:blipFill>
+          <a:blip r:embed="rId4">
+            <a:extLst>
+              <a:ext uri="{28A0092B-C50C-407E-A947-70E740481C1C}">
+                <a14:useLocalDpi xmlns:a14="http://schemas.microsoft.com/office/drawing/2010/main" val="0"/>
+              </a:ext>
+            </a:extLst>
+          </a:blip>
+          <a:srcRect/>
+          <a:stretch>
+            <a:fillRect/>
+          </a:stretch>
+        </p:blipFill>
+        <p:spPr bwMode="auto">
+          <a:xfrm>
+            <a:off x="5195087" y="2233401"/>
+            <a:ext cx="6429740" cy="3568588"/>
+          </a:xfrm>
+          <a:prstGeom prst="rect">
+            <a:avLst/>
+          </a:prstGeom>
+          <a:noFill/>
+          <a:extLst>
+            <a:ext uri="{909E8E84-426E-40DD-AFC4-6F175D3DCCD1}">
+              <a14:hiddenFill xmlns:a14="http://schemas.microsoft.com/office/drawing/2010/main">
+                <a:solidFill>
+                  <a:srgbClr val="FFFFFF"/>
+                </a:solidFill>
+              </a14:hiddenFill>
+            </a:ext>
+          </a:extLst>
+        </p:spPr>
+      </p:pic>
+    </p:spTree>
+    <p:extLst>
+      <p:ext uri="{BB962C8B-B14F-4D97-AF65-F5344CB8AC3E}">
+        <p14:creationId xmlns:p14="http://schemas.microsoft.com/office/powerpoint/2010/main" val="608151177"/>
+      </p:ext>
+    </p:extLst>
+  </p:cSld>
+  <p:clrMapOvr>
+    <a:masterClrMapping/>
+  </p:clrMapOvr>
+</p:sld>
+</file>
+
+<file path=ppt/slides/slide19.xml><?xml version="1.0" encoding="utf-8"?>
+<p:sld xmlns:a="http://schemas.openxmlformats.org/drawingml/2006/main" xmlns:r="http://schemas.openxmlformats.org/officeDocument/2006/relationships" xmlns:p="http://schemas.openxmlformats.org/presentationml/2006/main">
+  <p:cSld>
+    <p:spTree>
+      <p:nvGrpSpPr>
+        <p:cNvPr id="1" name=""/>
+        <p:cNvGrpSpPr/>
+        <p:nvPr/>
+      </p:nvGrpSpPr>
+      <p:grpSpPr>
+        <a:xfrm>
+          <a:off x="0" y="0"/>
+          <a:ext cx="0" cy="0"/>
+          <a:chOff x="0" y="0"/>
+          <a:chExt cx="0" cy="0"/>
+        </a:xfrm>
+      </p:grpSpPr>
+      <p:sp>
+        <p:nvSpPr>
+          <p:cNvPr id="69" name="Retângulo 68">
+            <a:extLst>
+              <a:ext uri="{FF2B5EF4-FFF2-40B4-BE49-F238E27FC236}">
+                <a16:creationId xmlns:a16="http://schemas.microsoft.com/office/drawing/2014/main" id="{EBBBECE2-B491-484D-BF2B-939AC5F2EAC0}"/>
+              </a:ext>
+            </a:extLst>
+          </p:cNvPr>
+          <p:cNvSpPr/>
+          <p:nvPr/>
+        </p:nvSpPr>
+        <p:spPr>
+          <a:xfrm>
+            <a:off x="-7059" y="-8813"/>
+            <a:ext cx="12199059" cy="1122982"/>
+          </a:xfrm>
+          <a:prstGeom prst="rect">
+            <a:avLst/>
+          </a:prstGeom>
+          <a:solidFill>
+            <a:srgbClr val="1C273A"/>
+          </a:solidFill>
+          <a:ln w="12700" cap="flat" cmpd="sng" algn="ctr">
+            <a:noFill/>
+            <a:prstDash val="solid"/>
+            <a:miter lim="800000"/>
+          </a:ln>
+          <a:effectLst/>
+        </p:spPr>
+        <p:txBody>
+          <a:bodyPr rtlCol="0" anchor="ctr"/>
+          <a:lstStyle/>
+          <a:p>
+            <a:pPr marL="0" marR="0" lvl="0" indent="0" algn="ctr" defTabSz="914340" eaLnBrk="1" fontAlgn="auto" latinLnBrk="0" hangingPunct="1">
+              <a:lnSpc>
+                <a:spcPct val="100000"/>
+              </a:lnSpc>
+              <a:spcBef>
+                <a:spcPts val="0"/>
+              </a:spcBef>
+              <a:spcAft>
+                <a:spcPts val="0"/>
+              </a:spcAft>
+              <a:buClrTx/>
+              <a:buSzTx/>
+              <a:buFontTx/>
+              <a:buNone/>
+              <a:tabLst/>
+              <a:defRPr/>
+            </a:pPr>
+            <a:endParaRPr kumimoji="0" lang="pt-BR" sz="1800" b="0" i="0" u="none" strike="noStrike" kern="0" cap="none" spc="0" normalizeH="0" baseline="0" noProof="0" dirty="0">
+              <a:ln>
+                <a:noFill/>
+              </a:ln>
+              <a:solidFill>
+                <a:srgbClr val="FFFFFF"/>
+              </a:solidFill>
+              <a:effectLst/>
+              <a:uLnTx/>
+              <a:uFillTx/>
+              <a:latin typeface="Segoe UI" panose="020B0502040204020203" pitchFamily="34" charset="0"/>
+              <a:ea typeface=""/>
+              <a:cs typeface="Segoe UI" panose="020B0502040204020203" pitchFamily="34" charset="0"/>
+            </a:endParaRPr>
+          </a:p>
+        </p:txBody>
+      </p:sp>
+      <p:sp>
+        <p:nvSpPr>
+          <p:cNvPr id="12" name="Título 11">
+            <a:extLst>
+              <a:ext uri="{FF2B5EF4-FFF2-40B4-BE49-F238E27FC236}">
+                <a16:creationId xmlns:a16="http://schemas.microsoft.com/office/drawing/2014/main" id="{C48E714C-BDEE-CE4F-B207-ED298CB4A2D2}"/>
+              </a:ext>
+            </a:extLst>
+          </p:cNvPr>
+          <p:cNvSpPr>
+            <a:spLocks noGrp="1"/>
+          </p:cNvSpPr>
+          <p:nvPr>
+            <p:ph type="ctrTitle"/>
+          </p:nvPr>
+        </p:nvSpPr>
+        <p:spPr>
+          <a:xfrm>
+            <a:off x="285754" y="170762"/>
+            <a:ext cx="11273638" cy="365125"/>
+          </a:xfrm>
+        </p:spPr>
+        <p:txBody>
+          <a:bodyPr lIns="0">
+            <a:normAutofit fontScale="90000"/>
+          </a:bodyPr>
+          <a:lstStyle/>
+          <a:p>
+            <a:r>
+              <a:rPr lang="pt-BR" dirty="0">
+                <a:solidFill>
+                  <a:schemeClr val="bg1"/>
+                </a:solidFill>
+              </a:rPr>
+              <a:t>A Plataforma                              em Grandes Números</a:t>
+            </a:r>
+          </a:p>
+        </p:txBody>
+      </p:sp>
+      <p:pic>
+        <p:nvPicPr>
+          <p:cNvPr id="61" name="Imagem 60">
+            <a:extLst>
+              <a:ext uri="{FF2B5EF4-FFF2-40B4-BE49-F238E27FC236}">
+                <a16:creationId xmlns:a16="http://schemas.microsoft.com/office/drawing/2014/main" id="{4F321FA8-8362-E84C-A8B1-9CB6450C867C}"/>
+              </a:ext>
+            </a:extLst>
+          </p:cNvPr>
+          <p:cNvPicPr>
+            <a:picLocks noChangeAspect="1"/>
+          </p:cNvPicPr>
+          <p:nvPr/>
+        </p:nvPicPr>
+        <p:blipFill rotWithShape="1">
+          <a:blip r:embed="rId2">
+            <a:extLst>
+              <a:ext uri="{28A0092B-C50C-407E-A947-70E740481C1C}">
+                <a14:useLocalDpi xmlns:a14="http://schemas.microsoft.com/office/drawing/2010/main"/>
+              </a:ext>
+            </a:extLst>
+          </a:blip>
+          <a:srcRect l="38012"/>
+          <a:stretch/>
+        </p:blipFill>
+        <p:spPr>
+          <a:xfrm>
+            <a:off x="1866579" y="214903"/>
+            <a:ext cx="1897250" cy="304800"/>
+          </a:xfrm>
+          <a:prstGeom prst="rect">
+            <a:avLst/>
+          </a:prstGeom>
+        </p:spPr>
+      </p:pic>
+      <p:sp>
+        <p:nvSpPr>
+          <p:cNvPr id="64" name="Espaço Reservado para Texto 3">
+            <a:extLst>
+              <a:ext uri="{FF2B5EF4-FFF2-40B4-BE49-F238E27FC236}">
+                <a16:creationId xmlns:a16="http://schemas.microsoft.com/office/drawing/2014/main" id="{E450E41B-21FF-EA46-9F51-3A43AA93CA05}"/>
+              </a:ext>
+            </a:extLst>
+          </p:cNvPr>
+          <p:cNvSpPr txBox="1">
+            <a:spLocks/>
+          </p:cNvSpPr>
+          <p:nvPr/>
+        </p:nvSpPr>
+        <p:spPr>
+          <a:xfrm>
+            <a:off x="11130544" y="73478"/>
+            <a:ext cx="857696" cy="263918"/>
+          </a:xfrm>
+          <a:prstGeom prst="rect">
+            <a:avLst/>
+          </a:prstGeom>
+        </p:spPr>
+        <p:txBody>
+          <a:bodyPr vert="horz" wrap="square" lIns="0" tIns="45720" rIns="0" bIns="45720" rtlCol="0">
+            <a:spAutoFit/>
+          </a:bodyPr>
+          <a:lstStyle>
+            <a:lvl1pPr marL="0" indent="0" algn="l" defTabSz="914400" rtl="0" eaLnBrk="1" latinLnBrk="0" hangingPunct="1">
+              <a:lnSpc>
+                <a:spcPct val="110000"/>
+              </a:lnSpc>
+              <a:spcBef>
+                <a:spcPts val="1000"/>
+              </a:spcBef>
+              <a:buFont typeface="Arial" panose="020B0604020202020204" pitchFamily="34" charset="0"/>
+              <a:buNone/>
+              <a:defRPr sz="1400" kern="1300" spc="10" baseline="0">
+                <a:solidFill>
+                  <a:schemeClr val="tx1"/>
+                </a:solidFill>
+                <a:latin typeface="Segoe UI" panose="020B0502040204020203" pitchFamily="34" charset="0"/>
+                <a:ea typeface="Segoe UI Symbol" panose="020B0502040204020203" pitchFamily="34" charset="0"/>
+                <a:cs typeface="Segoe UI" panose="020B0502040204020203" pitchFamily="34" charset="0"/>
+              </a:defRPr>
+            </a:lvl1pPr>
+            <a:lvl2pPr marL="685800" indent="-228600" algn="l" defTabSz="914400" rtl="0" eaLnBrk="1" latinLnBrk="0" hangingPunct="1">
+              <a:lnSpc>
+                <a:spcPct val="90000"/>
+              </a:lnSpc>
+              <a:spcBef>
+                <a:spcPts val="500"/>
+              </a:spcBef>
+              <a:buFont typeface="Arial" panose="020B0604020202020204" pitchFamily="34" charset="0"/>
+              <a:buChar char="•"/>
+              <a:defRPr sz="2400" kern="1200">
+                <a:solidFill>
+                  <a:schemeClr val="tx1"/>
+                </a:solidFill>
+                <a:latin typeface="Segoe UI" panose="020B0502040204020203" pitchFamily="34" charset="0"/>
+                <a:ea typeface="+mn-ea"/>
+                <a:cs typeface="Segoe UI" panose="020B0502040204020203" pitchFamily="34" charset="0"/>
+              </a:defRPr>
+            </a:lvl2pPr>
+            <a:lvl3pPr marL="914400" indent="0" algn="l" defTabSz="914400" rtl="0" eaLnBrk="1" latinLnBrk="0" hangingPunct="1">
+              <a:lnSpc>
+                <a:spcPct val="90000"/>
+              </a:lnSpc>
+              <a:spcBef>
+                <a:spcPts val="500"/>
+              </a:spcBef>
+              <a:buFont typeface="Arial" panose="020B0604020202020204" pitchFamily="34" charset="0"/>
+              <a:buNone/>
+              <a:defRPr sz="2000" kern="1200">
+                <a:solidFill>
+                  <a:schemeClr val="tx1"/>
+                </a:solidFill>
+                <a:latin typeface="Segoe UI" panose="020B0502040204020203" pitchFamily="34" charset="0"/>
+                <a:ea typeface="+mn-ea"/>
+                <a:cs typeface="Segoe UI" panose="020B0502040204020203" pitchFamily="34" charset="0"/>
+              </a:defRPr>
+            </a:lvl3pPr>
+            <a:lvl4pPr marL="1371600" indent="0" algn="l" defTabSz="914400" rtl="0" eaLnBrk="1" latinLnBrk="0" hangingPunct="1">
+              <a:lnSpc>
+                <a:spcPct val="90000"/>
+              </a:lnSpc>
+              <a:spcBef>
+                <a:spcPts val="500"/>
+              </a:spcBef>
+              <a:buFont typeface="Arial" panose="020B0604020202020204" pitchFamily="34" charset="0"/>
+              <a:buNone/>
+              <a:defRPr sz="1800" kern="1200">
+                <a:solidFill>
+                  <a:schemeClr val="tx1"/>
+                </a:solidFill>
+                <a:latin typeface="Segoe UI" panose="020B0502040204020203" pitchFamily="34" charset="0"/>
+                <a:ea typeface="+mn-ea"/>
+                <a:cs typeface="Segoe UI" panose="020B0502040204020203" pitchFamily="34" charset="0"/>
+              </a:defRPr>
+            </a:lvl4pPr>
+            <a:lvl5pPr marL="1828800" indent="0" algn="l" defTabSz="914400" rtl="0" eaLnBrk="1" latinLnBrk="0" hangingPunct="1">
+              <a:lnSpc>
+                <a:spcPct val="90000"/>
+              </a:lnSpc>
+              <a:spcBef>
+                <a:spcPts val="500"/>
+              </a:spcBef>
+              <a:buFont typeface="Arial" panose="020B0604020202020204" pitchFamily="34" charset="0"/>
+              <a:buNone/>
+              <a:defRPr sz="1800" kern="1200">
+                <a:solidFill>
+                  <a:schemeClr val="tx1"/>
+                </a:solidFill>
+                <a:latin typeface="Segoe UI" panose="020B0502040204020203" pitchFamily="34" charset="0"/>
+                <a:ea typeface="+mn-ea"/>
+                <a:cs typeface="Segoe UI" panose="020B0502040204020203" pitchFamily="34" charset="0"/>
+              </a:defRPr>
+            </a:lvl5pPr>
+            <a:lvl6pPr marL="2514600" indent="-228600" algn="l" defTabSz="914400" rtl="0" eaLnBrk="1" latinLnBrk="0" hangingPunct="1">
+              <a:lnSpc>
+                <a:spcPct val="90000"/>
+              </a:lnSpc>
+              <a:spcBef>
+                <a:spcPts val="500"/>
+              </a:spcBef>
+              <a:buFont typeface="Arial" panose="020B0604020202020204" pitchFamily="34" charset="0"/>
+              <a:buChar char="•"/>
+              <a:defRPr sz="1800" kern="1200">
+                <a:solidFill>
+                  <a:schemeClr val="tx1"/>
+                </a:solidFill>
+                <a:latin typeface="+mn-lt"/>
+                <a:ea typeface="+mn-ea"/>
+                <a:cs typeface="+mn-cs"/>
+              </a:defRPr>
+            </a:lvl6pPr>
+            <a:lvl7pPr marL="2971800" indent="-228600" algn="l" defTabSz="914400" rtl="0" eaLnBrk="1" latinLnBrk="0" hangingPunct="1">
+              <a:lnSpc>
+                <a:spcPct val="90000"/>
+              </a:lnSpc>
+              <a:spcBef>
+                <a:spcPts val="500"/>
+              </a:spcBef>
+              <a:buFont typeface="Arial" panose="020B0604020202020204" pitchFamily="34" charset="0"/>
+              <a:buChar char="•"/>
+              <a:defRPr sz="1800" kern="1200">
+                <a:solidFill>
+                  <a:schemeClr val="tx1"/>
+                </a:solidFill>
+                <a:latin typeface="+mn-lt"/>
+                <a:ea typeface="+mn-ea"/>
+                <a:cs typeface="+mn-cs"/>
+              </a:defRPr>
+            </a:lvl7pPr>
+            <a:lvl8pPr marL="3429000" indent="-228600" algn="l" defTabSz="914400" rtl="0" eaLnBrk="1" latinLnBrk="0" hangingPunct="1">
+              <a:lnSpc>
+                <a:spcPct val="90000"/>
+              </a:lnSpc>
+              <a:spcBef>
+                <a:spcPts val="500"/>
+              </a:spcBef>
+              <a:buFont typeface="Arial" panose="020B0604020202020204" pitchFamily="34" charset="0"/>
+              <a:buChar char="•"/>
+              <a:defRPr sz="1800" kern="1200">
+                <a:solidFill>
+                  <a:schemeClr val="tx1"/>
+                </a:solidFill>
+                <a:latin typeface="+mn-lt"/>
+                <a:ea typeface="+mn-ea"/>
+                <a:cs typeface="+mn-cs"/>
+              </a:defRPr>
+            </a:lvl8pPr>
+            <a:lvl9pPr marL="3886200" indent="-228600" algn="l" defTabSz="914400" rtl="0" eaLnBrk="1" latinLnBrk="0" hangingPunct="1">
+              <a:lnSpc>
+                <a:spcPct val="90000"/>
+              </a:lnSpc>
+              <a:spcBef>
+                <a:spcPts val="500"/>
+              </a:spcBef>
+              <a:buFont typeface="Arial" panose="020B0604020202020204" pitchFamily="34" charset="0"/>
+              <a:buChar char="•"/>
+              <a:defRPr sz="1800" kern="1200">
+                <a:solidFill>
+                  <a:schemeClr val="tx1"/>
+                </a:solidFill>
+                <a:latin typeface="+mn-lt"/>
+                <a:ea typeface="+mn-ea"/>
+                <a:cs typeface="+mn-cs"/>
+              </a:defRPr>
+            </a:lvl9pPr>
+          </a:lstStyle>
+          <a:p>
+            <a:pPr algn="r">
+              <a:spcBef>
+                <a:spcPts val="800"/>
+              </a:spcBef>
+            </a:pPr>
+            <a:r>
+              <a:rPr lang="pt-BR" sz="1100" spc="40" dirty="0">
+                <a:solidFill>
+                  <a:schemeClr val="tx2">
+                    <a:lumMod val="60000"/>
+                    <a:lumOff val="40000"/>
+                  </a:schemeClr>
+                </a:solidFill>
+              </a:rPr>
+              <a:t>#interna</a:t>
+            </a:r>
+          </a:p>
+        </p:txBody>
+      </p:sp>
+      <p:pic>
+        <p:nvPicPr>
+          <p:cNvPr id="3074" name="Picture 2">
+            <a:extLst>
+              <a:ext uri="{FF2B5EF4-FFF2-40B4-BE49-F238E27FC236}">
+                <a16:creationId xmlns:a16="http://schemas.microsoft.com/office/drawing/2014/main" id="{AAA2B147-0049-674E-BF9B-EEBF0D7F7E2E}"/>
+              </a:ext>
+            </a:extLst>
+          </p:cNvPr>
+          <p:cNvPicPr>
+            <a:picLocks noChangeAspect="1" noChangeArrowheads="1"/>
+          </p:cNvPicPr>
+          <p:nvPr/>
+        </p:nvPicPr>
+        <p:blipFill>
+          <a:blip r:embed="rId3">
+            <a:extLst>
+              <a:ext uri="{28A0092B-C50C-407E-A947-70E740481C1C}">
+                <a14:useLocalDpi xmlns:a14="http://schemas.microsoft.com/office/drawing/2010/main" val="0"/>
+              </a:ext>
+            </a:extLst>
+          </a:blip>
+          <a:srcRect/>
+          <a:stretch>
+            <a:fillRect/>
+          </a:stretch>
+        </p:blipFill>
+        <p:spPr bwMode="auto">
+          <a:xfrm>
+            <a:off x="203760" y="2233401"/>
+            <a:ext cx="4392346" cy="3665523"/>
+          </a:xfrm>
+          <a:prstGeom prst="rect">
+            <a:avLst/>
+          </a:prstGeom>
+          <a:noFill/>
+          <a:extLst>
+            <a:ext uri="{909E8E84-426E-40DD-AFC4-6F175D3DCCD1}">
+              <a14:hiddenFill xmlns:a14="http://schemas.microsoft.com/office/drawing/2010/main">
+                <a:solidFill>
+                  <a:srgbClr val="FFFFFF"/>
+                </a:solidFill>
+              </a14:hiddenFill>
+            </a:ext>
+          </a:extLst>
+        </p:spPr>
+      </p:pic>
+      <p:pic>
+        <p:nvPicPr>
+          <p:cNvPr id="1026" name="Picture 2">
+            <a:extLst>
+              <a:ext uri="{FF2B5EF4-FFF2-40B4-BE49-F238E27FC236}">
+                <a16:creationId xmlns:a16="http://schemas.microsoft.com/office/drawing/2014/main" id="{1CB22112-7B6B-7C4B-B652-810CC60B4E31}"/>
+              </a:ext>
+            </a:extLst>
+          </p:cNvPr>
+          <p:cNvPicPr>
+            <a:picLocks noChangeAspect="1" noChangeArrowheads="1"/>
+          </p:cNvPicPr>
+          <p:nvPr/>
+        </p:nvPicPr>
+        <p:blipFill>
+          <a:blip r:embed="rId4">
+            <a:extLst>
+              <a:ext uri="{28A0092B-C50C-407E-A947-70E740481C1C}">
+                <a14:useLocalDpi xmlns:a14="http://schemas.microsoft.com/office/drawing/2010/main" val="0"/>
+              </a:ext>
+            </a:extLst>
+          </a:blip>
+          <a:srcRect/>
+          <a:stretch>
+            <a:fillRect/>
+          </a:stretch>
+        </p:blipFill>
+        <p:spPr bwMode="auto">
+          <a:xfrm>
+            <a:off x="5195087" y="2233401"/>
+            <a:ext cx="6429740" cy="3568588"/>
+          </a:xfrm>
+          <a:prstGeom prst="rect">
+            <a:avLst/>
+          </a:prstGeom>
+          <a:noFill/>
+          <a:extLst>
+            <a:ext uri="{909E8E84-426E-40DD-AFC4-6F175D3DCCD1}">
+              <a14:hiddenFill xmlns:a14="http://schemas.microsoft.com/office/drawing/2010/main">
+                <a:solidFill>
+                  <a:srgbClr val="FFFFFF"/>
+                </a:solidFill>
+              </a14:hiddenFill>
+            </a:ext>
+          </a:extLst>
+        </p:spPr>
+      </p:pic>
+    </p:spTree>
+    <p:extLst>
+      <p:ext uri="{BB962C8B-B14F-4D97-AF65-F5344CB8AC3E}">
+        <p14:creationId xmlns:p14="http://schemas.microsoft.com/office/powerpoint/2010/main" val="2387945166"/>
+      </p:ext>
+    </p:extLst>
+  </p:cSld>
+  <p:clrMapOvr>
+    <a:masterClrMapping/>
+  </p:clrMapOvr>
+</p:sld>
+</file>
+
 <file path=ppt/slides/slide2.xml><?xml version="1.0" encoding="utf-8"?>
 <p:sld xmlns:a="http://schemas.openxmlformats.org/drawingml/2006/main" xmlns:r="http://schemas.openxmlformats.org/officeDocument/2006/relationships" xmlns:p="http://schemas.openxmlformats.org/presentationml/2006/main">
   <p:cSld>
@@ -11932,6 +12889,483 @@
     <p:extLst>
       <p:ext uri="{BB962C8B-B14F-4D97-AF65-F5344CB8AC3E}">
         <p14:creationId xmlns:p14="http://schemas.microsoft.com/office/powerpoint/2010/main" val="443078674"/>
+      </p:ext>
+    </p:extLst>
+  </p:cSld>
+  <p:clrMapOvr>
+    <a:masterClrMapping/>
+  </p:clrMapOvr>
+</p:sld>
+</file>
+
+<file path=ppt/slides/slide20.xml><?xml version="1.0" encoding="utf-8"?>
+<p:sld xmlns:a="http://schemas.openxmlformats.org/drawingml/2006/main" xmlns:r="http://schemas.openxmlformats.org/officeDocument/2006/relationships" xmlns:p="http://schemas.openxmlformats.org/presentationml/2006/main">
+  <p:cSld>
+    <p:spTree>
+      <p:nvGrpSpPr>
+        <p:cNvPr id="1" name=""/>
+        <p:cNvGrpSpPr/>
+        <p:nvPr/>
+      </p:nvGrpSpPr>
+      <p:grpSpPr>
+        <a:xfrm>
+          <a:off x="0" y="0"/>
+          <a:ext cx="0" cy="0"/>
+          <a:chOff x="0" y="0"/>
+          <a:chExt cx="0" cy="0"/>
+        </a:xfrm>
+      </p:grpSpPr>
+      <p:sp>
+        <p:nvSpPr>
+          <p:cNvPr id="69" name="Retângulo 68">
+            <a:extLst>
+              <a:ext uri="{FF2B5EF4-FFF2-40B4-BE49-F238E27FC236}">
+                <a16:creationId xmlns:a16="http://schemas.microsoft.com/office/drawing/2014/main" id="{EBBBECE2-B491-484D-BF2B-939AC5F2EAC0}"/>
+              </a:ext>
+            </a:extLst>
+          </p:cNvPr>
+          <p:cNvSpPr/>
+          <p:nvPr/>
+        </p:nvSpPr>
+        <p:spPr>
+          <a:xfrm>
+            <a:off x="-7059" y="-8813"/>
+            <a:ext cx="12199059" cy="1122982"/>
+          </a:xfrm>
+          <a:prstGeom prst="rect">
+            <a:avLst/>
+          </a:prstGeom>
+          <a:solidFill>
+            <a:srgbClr val="1C273A"/>
+          </a:solidFill>
+          <a:ln w="12700" cap="flat" cmpd="sng" algn="ctr">
+            <a:noFill/>
+            <a:prstDash val="solid"/>
+            <a:miter lim="800000"/>
+          </a:ln>
+          <a:effectLst/>
+        </p:spPr>
+        <p:txBody>
+          <a:bodyPr rtlCol="0" anchor="ctr"/>
+          <a:lstStyle/>
+          <a:p>
+            <a:pPr marL="0" marR="0" lvl="0" indent="0" algn="ctr" defTabSz="914340" eaLnBrk="1" fontAlgn="auto" latinLnBrk="0" hangingPunct="1">
+              <a:lnSpc>
+                <a:spcPct val="100000"/>
+              </a:lnSpc>
+              <a:spcBef>
+                <a:spcPts val="0"/>
+              </a:spcBef>
+              <a:spcAft>
+                <a:spcPts val="0"/>
+              </a:spcAft>
+              <a:buClrTx/>
+              <a:buSzTx/>
+              <a:buFontTx/>
+              <a:buNone/>
+              <a:tabLst/>
+              <a:defRPr/>
+            </a:pPr>
+            <a:endParaRPr kumimoji="0" lang="pt-BR" sz="1800" b="0" i="0" u="none" strike="noStrike" kern="0" cap="none" spc="0" normalizeH="0" baseline="0" noProof="0" dirty="0">
+              <a:ln>
+                <a:noFill/>
+              </a:ln>
+              <a:solidFill>
+                <a:srgbClr val="FFFFFF"/>
+              </a:solidFill>
+              <a:effectLst/>
+              <a:uLnTx/>
+              <a:uFillTx/>
+              <a:latin typeface="Segoe UI" panose="020B0502040204020203" pitchFamily="34" charset="0"/>
+              <a:ea typeface=""/>
+              <a:cs typeface="Segoe UI" panose="020B0502040204020203" pitchFamily="34" charset="0"/>
+            </a:endParaRPr>
+          </a:p>
+        </p:txBody>
+      </p:sp>
+      <p:sp>
+        <p:nvSpPr>
+          <p:cNvPr id="12" name="Título 11">
+            <a:extLst>
+              <a:ext uri="{FF2B5EF4-FFF2-40B4-BE49-F238E27FC236}">
+                <a16:creationId xmlns:a16="http://schemas.microsoft.com/office/drawing/2014/main" id="{C48E714C-BDEE-CE4F-B207-ED298CB4A2D2}"/>
+              </a:ext>
+            </a:extLst>
+          </p:cNvPr>
+          <p:cNvSpPr>
+            <a:spLocks noGrp="1"/>
+          </p:cNvSpPr>
+          <p:nvPr>
+            <p:ph type="ctrTitle"/>
+          </p:nvPr>
+        </p:nvSpPr>
+        <p:spPr>
+          <a:xfrm>
+            <a:off x="285754" y="170762"/>
+            <a:ext cx="11273638" cy="365125"/>
+          </a:xfrm>
+        </p:spPr>
+        <p:txBody>
+          <a:bodyPr lIns="0">
+            <a:normAutofit fontScale="90000"/>
+          </a:bodyPr>
+          <a:lstStyle/>
+          <a:p>
+            <a:r>
+              <a:rPr lang="pt-BR" dirty="0">
+                <a:solidFill>
+                  <a:schemeClr val="bg1"/>
+                </a:solidFill>
+              </a:rPr>
+              <a:t>A Plataforma                              em Grandes Números</a:t>
+            </a:r>
+          </a:p>
+        </p:txBody>
+      </p:sp>
+      <p:pic>
+        <p:nvPicPr>
+          <p:cNvPr id="61" name="Imagem 60">
+            <a:extLst>
+              <a:ext uri="{FF2B5EF4-FFF2-40B4-BE49-F238E27FC236}">
+                <a16:creationId xmlns:a16="http://schemas.microsoft.com/office/drawing/2014/main" id="{4F321FA8-8362-E84C-A8B1-9CB6450C867C}"/>
+              </a:ext>
+            </a:extLst>
+          </p:cNvPr>
+          <p:cNvPicPr>
+            <a:picLocks noChangeAspect="1"/>
+          </p:cNvPicPr>
+          <p:nvPr/>
+        </p:nvPicPr>
+        <p:blipFill rotWithShape="1">
+          <a:blip r:embed="rId2">
+            <a:extLst>
+              <a:ext uri="{28A0092B-C50C-407E-A947-70E740481C1C}">
+                <a14:useLocalDpi xmlns:a14="http://schemas.microsoft.com/office/drawing/2010/main"/>
+              </a:ext>
+            </a:extLst>
+          </a:blip>
+          <a:srcRect l="38012"/>
+          <a:stretch/>
+        </p:blipFill>
+        <p:spPr>
+          <a:xfrm>
+            <a:off x="1866579" y="214903"/>
+            <a:ext cx="1897250" cy="304800"/>
+          </a:xfrm>
+          <a:prstGeom prst="rect">
+            <a:avLst/>
+          </a:prstGeom>
+        </p:spPr>
+      </p:pic>
+      <p:sp>
+        <p:nvSpPr>
+          <p:cNvPr id="64" name="Espaço Reservado para Texto 3">
+            <a:extLst>
+              <a:ext uri="{FF2B5EF4-FFF2-40B4-BE49-F238E27FC236}">
+                <a16:creationId xmlns:a16="http://schemas.microsoft.com/office/drawing/2014/main" id="{E450E41B-21FF-EA46-9F51-3A43AA93CA05}"/>
+              </a:ext>
+            </a:extLst>
+          </p:cNvPr>
+          <p:cNvSpPr txBox="1">
+            <a:spLocks/>
+          </p:cNvSpPr>
+          <p:nvPr/>
+        </p:nvSpPr>
+        <p:spPr>
+          <a:xfrm>
+            <a:off x="11130544" y="73478"/>
+            <a:ext cx="857696" cy="263918"/>
+          </a:xfrm>
+          <a:prstGeom prst="rect">
+            <a:avLst/>
+          </a:prstGeom>
+        </p:spPr>
+        <p:txBody>
+          <a:bodyPr vert="horz" wrap="square" lIns="0" tIns="45720" rIns="0" bIns="45720" rtlCol="0">
+            <a:spAutoFit/>
+          </a:bodyPr>
+          <a:lstStyle>
+            <a:lvl1pPr marL="0" indent="0" algn="l" defTabSz="914400" rtl="0" eaLnBrk="1" latinLnBrk="0" hangingPunct="1">
+              <a:lnSpc>
+                <a:spcPct val="110000"/>
+              </a:lnSpc>
+              <a:spcBef>
+                <a:spcPts val="1000"/>
+              </a:spcBef>
+              <a:buFont typeface="Arial" panose="020B0604020202020204" pitchFamily="34" charset="0"/>
+              <a:buNone/>
+              <a:defRPr sz="1400" kern="1300" spc="10" baseline="0">
+                <a:solidFill>
+                  <a:schemeClr val="tx1"/>
+                </a:solidFill>
+                <a:latin typeface="Segoe UI" panose="020B0502040204020203" pitchFamily="34" charset="0"/>
+                <a:ea typeface="Segoe UI Symbol" panose="020B0502040204020203" pitchFamily="34" charset="0"/>
+                <a:cs typeface="Segoe UI" panose="020B0502040204020203" pitchFamily="34" charset="0"/>
+              </a:defRPr>
+            </a:lvl1pPr>
+            <a:lvl2pPr marL="685800" indent="-228600" algn="l" defTabSz="914400" rtl="0" eaLnBrk="1" latinLnBrk="0" hangingPunct="1">
+              <a:lnSpc>
+                <a:spcPct val="90000"/>
+              </a:lnSpc>
+              <a:spcBef>
+                <a:spcPts val="500"/>
+              </a:spcBef>
+              <a:buFont typeface="Arial" panose="020B0604020202020204" pitchFamily="34" charset="0"/>
+              <a:buChar char="•"/>
+              <a:defRPr sz="2400" kern="1200">
+                <a:solidFill>
+                  <a:schemeClr val="tx1"/>
+                </a:solidFill>
+                <a:latin typeface="Segoe UI" panose="020B0502040204020203" pitchFamily="34" charset="0"/>
+                <a:ea typeface="+mn-ea"/>
+                <a:cs typeface="Segoe UI" panose="020B0502040204020203" pitchFamily="34" charset="0"/>
+              </a:defRPr>
+            </a:lvl2pPr>
+            <a:lvl3pPr marL="914400" indent="0" algn="l" defTabSz="914400" rtl="0" eaLnBrk="1" latinLnBrk="0" hangingPunct="1">
+              <a:lnSpc>
+                <a:spcPct val="90000"/>
+              </a:lnSpc>
+              <a:spcBef>
+                <a:spcPts val="500"/>
+              </a:spcBef>
+              <a:buFont typeface="Arial" panose="020B0604020202020204" pitchFamily="34" charset="0"/>
+              <a:buNone/>
+              <a:defRPr sz="2000" kern="1200">
+                <a:solidFill>
+                  <a:schemeClr val="tx1"/>
+                </a:solidFill>
+                <a:latin typeface="Segoe UI" panose="020B0502040204020203" pitchFamily="34" charset="0"/>
+                <a:ea typeface="+mn-ea"/>
+                <a:cs typeface="Segoe UI" panose="020B0502040204020203" pitchFamily="34" charset="0"/>
+              </a:defRPr>
+            </a:lvl3pPr>
+            <a:lvl4pPr marL="1371600" indent="0" algn="l" defTabSz="914400" rtl="0" eaLnBrk="1" latinLnBrk="0" hangingPunct="1">
+              <a:lnSpc>
+                <a:spcPct val="90000"/>
+              </a:lnSpc>
+              <a:spcBef>
+                <a:spcPts val="500"/>
+              </a:spcBef>
+              <a:buFont typeface="Arial" panose="020B0604020202020204" pitchFamily="34" charset="0"/>
+              <a:buNone/>
+              <a:defRPr sz="1800" kern="1200">
+                <a:solidFill>
+                  <a:schemeClr val="tx1"/>
+                </a:solidFill>
+                <a:latin typeface="Segoe UI" panose="020B0502040204020203" pitchFamily="34" charset="0"/>
+                <a:ea typeface="+mn-ea"/>
+                <a:cs typeface="Segoe UI" panose="020B0502040204020203" pitchFamily="34" charset="0"/>
+              </a:defRPr>
+            </a:lvl4pPr>
+            <a:lvl5pPr marL="1828800" indent="0" algn="l" defTabSz="914400" rtl="0" eaLnBrk="1" latinLnBrk="0" hangingPunct="1">
+              <a:lnSpc>
+                <a:spcPct val="90000"/>
+              </a:lnSpc>
+              <a:spcBef>
+                <a:spcPts val="500"/>
+              </a:spcBef>
+              <a:buFont typeface="Arial" panose="020B0604020202020204" pitchFamily="34" charset="0"/>
+              <a:buNone/>
+              <a:defRPr sz="1800" kern="1200">
+                <a:solidFill>
+                  <a:schemeClr val="tx1"/>
+                </a:solidFill>
+                <a:latin typeface="Segoe UI" panose="020B0502040204020203" pitchFamily="34" charset="0"/>
+                <a:ea typeface="+mn-ea"/>
+                <a:cs typeface="Segoe UI" panose="020B0502040204020203" pitchFamily="34" charset="0"/>
+              </a:defRPr>
+            </a:lvl5pPr>
+            <a:lvl6pPr marL="2514600" indent="-228600" algn="l" defTabSz="914400" rtl="0" eaLnBrk="1" latinLnBrk="0" hangingPunct="1">
+              <a:lnSpc>
+                <a:spcPct val="90000"/>
+              </a:lnSpc>
+              <a:spcBef>
+                <a:spcPts val="500"/>
+              </a:spcBef>
+              <a:buFont typeface="Arial" panose="020B0604020202020204" pitchFamily="34" charset="0"/>
+              <a:buChar char="•"/>
+              <a:defRPr sz="1800" kern="1200">
+                <a:solidFill>
+                  <a:schemeClr val="tx1"/>
+                </a:solidFill>
+                <a:latin typeface="+mn-lt"/>
+                <a:ea typeface="+mn-ea"/>
+                <a:cs typeface="+mn-cs"/>
+              </a:defRPr>
+            </a:lvl6pPr>
+            <a:lvl7pPr marL="2971800" indent="-228600" algn="l" defTabSz="914400" rtl="0" eaLnBrk="1" latinLnBrk="0" hangingPunct="1">
+              <a:lnSpc>
+                <a:spcPct val="90000"/>
+              </a:lnSpc>
+              <a:spcBef>
+                <a:spcPts val="500"/>
+              </a:spcBef>
+              <a:buFont typeface="Arial" panose="020B0604020202020204" pitchFamily="34" charset="0"/>
+              <a:buChar char="•"/>
+              <a:defRPr sz="1800" kern="1200">
+                <a:solidFill>
+                  <a:schemeClr val="tx1"/>
+                </a:solidFill>
+                <a:latin typeface="+mn-lt"/>
+                <a:ea typeface="+mn-ea"/>
+                <a:cs typeface="+mn-cs"/>
+              </a:defRPr>
+            </a:lvl7pPr>
+            <a:lvl8pPr marL="3429000" indent="-228600" algn="l" defTabSz="914400" rtl="0" eaLnBrk="1" latinLnBrk="0" hangingPunct="1">
+              <a:lnSpc>
+                <a:spcPct val="90000"/>
+              </a:lnSpc>
+              <a:spcBef>
+                <a:spcPts val="500"/>
+              </a:spcBef>
+              <a:buFont typeface="Arial" panose="020B0604020202020204" pitchFamily="34" charset="0"/>
+              <a:buChar char="•"/>
+              <a:defRPr sz="1800" kern="1200">
+                <a:solidFill>
+                  <a:schemeClr val="tx1"/>
+                </a:solidFill>
+                <a:latin typeface="+mn-lt"/>
+                <a:ea typeface="+mn-ea"/>
+                <a:cs typeface="+mn-cs"/>
+              </a:defRPr>
+            </a:lvl8pPr>
+            <a:lvl9pPr marL="3886200" indent="-228600" algn="l" defTabSz="914400" rtl="0" eaLnBrk="1" latinLnBrk="0" hangingPunct="1">
+              <a:lnSpc>
+                <a:spcPct val="90000"/>
+              </a:lnSpc>
+              <a:spcBef>
+                <a:spcPts val="500"/>
+              </a:spcBef>
+              <a:buFont typeface="Arial" panose="020B0604020202020204" pitchFamily="34" charset="0"/>
+              <a:buChar char="•"/>
+              <a:defRPr sz="1800" kern="1200">
+                <a:solidFill>
+                  <a:schemeClr val="tx1"/>
+                </a:solidFill>
+                <a:latin typeface="+mn-lt"/>
+                <a:ea typeface="+mn-ea"/>
+                <a:cs typeface="+mn-cs"/>
+              </a:defRPr>
+            </a:lvl9pPr>
+          </a:lstStyle>
+          <a:p>
+            <a:pPr algn="r">
+              <a:spcBef>
+                <a:spcPts val="800"/>
+              </a:spcBef>
+            </a:pPr>
+            <a:r>
+              <a:rPr lang="pt-BR" sz="1100" spc="40" dirty="0">
+                <a:solidFill>
+                  <a:schemeClr val="tx2">
+                    <a:lumMod val="60000"/>
+                    <a:lumOff val="40000"/>
+                  </a:schemeClr>
+                </a:solidFill>
+              </a:rPr>
+              <a:t>#interna</a:t>
+            </a:r>
+          </a:p>
+        </p:txBody>
+      </p:sp>
+      <p:pic>
+        <p:nvPicPr>
+          <p:cNvPr id="3074" name="Picture 2">
+            <a:extLst>
+              <a:ext uri="{FF2B5EF4-FFF2-40B4-BE49-F238E27FC236}">
+                <a16:creationId xmlns:a16="http://schemas.microsoft.com/office/drawing/2014/main" id="{AAA2B147-0049-674E-BF9B-EEBF0D7F7E2E}"/>
+              </a:ext>
+            </a:extLst>
+          </p:cNvPr>
+          <p:cNvPicPr>
+            <a:picLocks noChangeAspect="1" noChangeArrowheads="1"/>
+          </p:cNvPicPr>
+          <p:nvPr/>
+        </p:nvPicPr>
+        <p:blipFill>
+          <a:blip r:embed="rId3">
+            <a:extLst>
+              <a:ext uri="{28A0092B-C50C-407E-A947-70E740481C1C}">
+                <a14:useLocalDpi xmlns:a14="http://schemas.microsoft.com/office/drawing/2010/main" val="0"/>
+              </a:ext>
+            </a:extLst>
+          </a:blip>
+          <a:srcRect/>
+          <a:stretch>
+            <a:fillRect/>
+          </a:stretch>
+        </p:blipFill>
+        <p:spPr bwMode="auto">
+          <a:xfrm>
+            <a:off x="203760" y="2233401"/>
+            <a:ext cx="4392346" cy="3665523"/>
+          </a:xfrm>
+          <a:prstGeom prst="rect">
+            <a:avLst/>
+          </a:prstGeom>
+          <a:noFill/>
+          <a:extLst>
+            <a:ext uri="{909E8E84-426E-40DD-AFC4-6F175D3DCCD1}">
+              <a14:hiddenFill xmlns:a14="http://schemas.microsoft.com/office/drawing/2010/main">
+                <a:solidFill>
+                  <a:srgbClr val="FFFFFF"/>
+                </a:solidFill>
+              </a14:hiddenFill>
+            </a:ext>
+          </a:extLst>
+        </p:spPr>
+      </p:pic>
+      <p:pic>
+        <p:nvPicPr>
+          <p:cNvPr id="1026" name="Picture 2">
+            <a:extLst>
+              <a:ext uri="{FF2B5EF4-FFF2-40B4-BE49-F238E27FC236}">
+                <a16:creationId xmlns:a16="http://schemas.microsoft.com/office/drawing/2014/main" id="{1CB22112-7B6B-7C4B-B652-810CC60B4E31}"/>
+              </a:ext>
+            </a:extLst>
+          </p:cNvPr>
+          <p:cNvPicPr>
+            <a:picLocks noChangeAspect="1" noChangeArrowheads="1"/>
+          </p:cNvPicPr>
+          <p:nvPr/>
+        </p:nvPicPr>
+        <p:blipFill>
+          <a:blip r:embed="rId4">
+            <a:extLst>
+              <a:ext uri="{28A0092B-C50C-407E-A947-70E740481C1C}">
+                <a14:useLocalDpi xmlns:a14="http://schemas.microsoft.com/office/drawing/2010/main" val="0"/>
+              </a:ext>
+            </a:extLst>
+          </a:blip>
+          <a:srcRect/>
+          <a:stretch>
+            <a:fillRect/>
+          </a:stretch>
+        </p:blipFill>
+        <p:spPr bwMode="auto">
+          <a:xfrm>
+            <a:off x="5195087" y="2233401"/>
+            <a:ext cx="6429740" cy="3568588"/>
+          </a:xfrm>
+          <a:prstGeom prst="rect">
+            <a:avLst/>
+          </a:prstGeom>
+          <a:noFill/>
+          <a:extLst>
+            <a:ext uri="{909E8E84-426E-40DD-AFC4-6F175D3DCCD1}">
+              <a14:hiddenFill xmlns:a14="http://schemas.microsoft.com/office/drawing/2010/main">
+                <a:solidFill>
+                  <a:srgbClr val="FFFFFF"/>
+                </a:solidFill>
+              </a14:hiddenFill>
+            </a:ext>
+          </a:extLst>
+        </p:spPr>
+      </p:pic>
+    </p:spTree>
+    <p:extLst>
+      <p:ext uri="{BB962C8B-B14F-4D97-AF65-F5344CB8AC3E}">
+        <p14:creationId xmlns:p14="http://schemas.microsoft.com/office/powerpoint/2010/main" val="510042611"/>
       </p:ext>
     </p:extLst>
   </p:cSld>
